--- a/Documents/Feature3/PRIS_update_5.8.2019.pptx
+++ b/Documents/Feature3/PRIS_update_5.8.2019.pptx
@@ -4,8 +4,12 @@
   <p:sldMasterIdLst>
     <p:sldMasterId id="2147483648" r:id="rId1"/>
   </p:sldMasterIdLst>
+  <p:notesMasterIdLst>
+    <p:notesMasterId r:id="rId4"/>
+  </p:notesMasterIdLst>
   <p:sldIdLst>
     <p:sldId id="256" r:id="rId2"/>
+    <p:sldId id="257" r:id="rId3"/>
   </p:sldIdLst>
   <p:sldSz cx="12192000" cy="6858000"/>
   <p:notesSz cx="6858000" cy="9144000"/>
@@ -110,12 +114,365 @@
         <p14:section name="Default Section" id="{B89B3AD1-4661-4D83-91C2-07347DC85E1C}">
           <p14:sldIdLst>
             <p14:sldId id="256"/>
+            <p14:sldId id="257"/>
           </p14:sldIdLst>
         </p14:section>
       </p14:sectionLst>
     </p:ext>
+    <p:ext uri="{EFAFB233-063F-42B5-8137-9DF3F51BA10A}">
+      <p15:sldGuideLst xmlns:p15="http://schemas.microsoft.com/office/powerpoint/2012/main"/>
+    </p:ext>
   </p:extLst>
 </p:presentation>
+</file>
+
+<file path=ppt/notesMasters/notesMaster1.xml><?xml version="1.0" encoding="utf-8"?>
+<p:notesMaster xmlns:a="http://schemas.openxmlformats.org/drawingml/2006/main" xmlns:r="http://schemas.openxmlformats.org/officeDocument/2006/relationships" xmlns:p="http://schemas.openxmlformats.org/presentationml/2006/main">
+  <p:cSld>
+    <p:bg>
+      <p:bgRef idx="1001">
+        <a:schemeClr val="bg1"/>
+      </p:bgRef>
+    </p:bg>
+    <p:spTree>
+      <p:nvGrpSpPr>
+        <p:cNvPr id="1" name=""/>
+        <p:cNvGrpSpPr/>
+        <p:nvPr/>
+      </p:nvGrpSpPr>
+      <p:grpSpPr>
+        <a:xfrm>
+          <a:off x="0" y="0"/>
+          <a:ext cx="0" cy="0"/>
+          <a:chOff x="0" y="0"/>
+          <a:chExt cx="0" cy="0"/>
+        </a:xfrm>
+      </p:grpSpPr>
+      <p:sp>
+        <p:nvSpPr>
+          <p:cNvPr id="2" name="Header Placeholder 1"/>
+          <p:cNvSpPr>
+            <a:spLocks noGrp="1"/>
+          </p:cNvSpPr>
+          <p:nvPr>
+            <p:ph type="hdr" sz="quarter"/>
+          </p:nvPr>
+        </p:nvSpPr>
+        <p:spPr>
+          <a:xfrm>
+            <a:off x="0" y="0"/>
+            <a:ext cx="2971800" cy="458788"/>
+          </a:xfrm>
+          <a:prstGeom prst="rect">
+            <a:avLst/>
+          </a:prstGeom>
+        </p:spPr>
+        <p:txBody>
+          <a:bodyPr vert="horz" lIns="91440" tIns="45720" rIns="91440" bIns="45720" rtlCol="0"/>
+          <a:lstStyle>
+            <a:lvl1pPr algn="l">
+              <a:defRPr sz="1200"/>
+            </a:lvl1pPr>
+          </a:lstStyle>
+          <a:p>
+            <a:endParaRPr lang="en-US"/>
+          </a:p>
+        </p:txBody>
+      </p:sp>
+      <p:sp>
+        <p:nvSpPr>
+          <p:cNvPr id="3" name="Date Placeholder 2"/>
+          <p:cNvSpPr>
+            <a:spLocks noGrp="1"/>
+          </p:cNvSpPr>
+          <p:nvPr>
+            <p:ph type="dt" idx="1"/>
+          </p:nvPr>
+        </p:nvSpPr>
+        <p:spPr>
+          <a:xfrm>
+            <a:off x="3884613" y="0"/>
+            <a:ext cx="2971800" cy="458788"/>
+          </a:xfrm>
+          <a:prstGeom prst="rect">
+            <a:avLst/>
+          </a:prstGeom>
+        </p:spPr>
+        <p:txBody>
+          <a:bodyPr vert="horz" lIns="91440" tIns="45720" rIns="91440" bIns="45720" rtlCol="0"/>
+          <a:lstStyle>
+            <a:lvl1pPr algn="r">
+              <a:defRPr sz="1200"/>
+            </a:lvl1pPr>
+          </a:lstStyle>
+          <a:p>
+            <a:fld id="{363E53D8-4DFA-BB43-84AA-77F99C0E04E5}" type="datetimeFigureOut">
+              <a:rPr lang="en-US" smtClean="0"/>
+              <a:t>5/18/19</a:t>
+            </a:fld>
+            <a:endParaRPr lang="en-US"/>
+          </a:p>
+        </p:txBody>
+      </p:sp>
+      <p:sp>
+        <p:nvSpPr>
+          <p:cNvPr id="4" name="Slide Image Placeholder 3"/>
+          <p:cNvSpPr>
+            <a:spLocks noGrp="1" noRot="1" noChangeAspect="1"/>
+          </p:cNvSpPr>
+          <p:nvPr>
+            <p:ph type="sldImg" idx="2"/>
+          </p:nvPr>
+        </p:nvSpPr>
+        <p:spPr>
+          <a:xfrm>
+            <a:off x="685800" y="1143000"/>
+            <a:ext cx="5486400" cy="3086100"/>
+          </a:xfrm>
+          <a:prstGeom prst="rect">
+            <a:avLst/>
+          </a:prstGeom>
+          <a:noFill/>
+          <a:ln w="12700">
+            <a:solidFill>
+              <a:prstClr val="black"/>
+            </a:solidFill>
+          </a:ln>
+        </p:spPr>
+        <p:txBody>
+          <a:bodyPr vert="horz" lIns="91440" tIns="45720" rIns="91440" bIns="45720" rtlCol="0" anchor="ctr"/>
+          <a:lstStyle/>
+          <a:p>
+            <a:endParaRPr lang="en-US"/>
+          </a:p>
+        </p:txBody>
+      </p:sp>
+      <p:sp>
+        <p:nvSpPr>
+          <p:cNvPr id="5" name="Notes Placeholder 4"/>
+          <p:cNvSpPr>
+            <a:spLocks noGrp="1"/>
+          </p:cNvSpPr>
+          <p:nvPr>
+            <p:ph type="body" sz="quarter" idx="3"/>
+          </p:nvPr>
+        </p:nvSpPr>
+        <p:spPr>
+          <a:xfrm>
+            <a:off x="685800" y="4400550"/>
+            <a:ext cx="5486400" cy="3600450"/>
+          </a:xfrm>
+          <a:prstGeom prst="rect">
+            <a:avLst/>
+          </a:prstGeom>
+        </p:spPr>
+        <p:txBody>
+          <a:bodyPr vert="horz" lIns="91440" tIns="45720" rIns="91440" bIns="45720" rtlCol="0"/>
+          <a:lstStyle/>
+          <a:p>
+            <a:pPr lvl="0"/>
+            <a:r>
+              <a:rPr lang="en-US"/>
+              <a:t>Edit Master text styles</a:t>
+            </a:r>
+          </a:p>
+          <a:p>
+            <a:pPr lvl="1"/>
+            <a:r>
+              <a:rPr lang="en-US"/>
+              <a:t>Second level</a:t>
+            </a:r>
+          </a:p>
+          <a:p>
+            <a:pPr lvl="2"/>
+            <a:r>
+              <a:rPr lang="en-US"/>
+              <a:t>Third level</a:t>
+            </a:r>
+          </a:p>
+          <a:p>
+            <a:pPr lvl="3"/>
+            <a:r>
+              <a:rPr lang="en-US"/>
+              <a:t>Fourth level</a:t>
+            </a:r>
+          </a:p>
+          <a:p>
+            <a:pPr lvl="4"/>
+            <a:r>
+              <a:rPr lang="en-US"/>
+              <a:t>Fifth level</a:t>
+            </a:r>
+          </a:p>
+        </p:txBody>
+      </p:sp>
+      <p:sp>
+        <p:nvSpPr>
+          <p:cNvPr id="6" name="Footer Placeholder 5"/>
+          <p:cNvSpPr>
+            <a:spLocks noGrp="1"/>
+          </p:cNvSpPr>
+          <p:nvPr>
+            <p:ph type="ftr" sz="quarter" idx="4"/>
+          </p:nvPr>
+        </p:nvSpPr>
+        <p:spPr>
+          <a:xfrm>
+            <a:off x="0" y="8685213"/>
+            <a:ext cx="2971800" cy="458787"/>
+          </a:xfrm>
+          <a:prstGeom prst="rect">
+            <a:avLst/>
+          </a:prstGeom>
+        </p:spPr>
+        <p:txBody>
+          <a:bodyPr vert="horz" lIns="91440" tIns="45720" rIns="91440" bIns="45720" rtlCol="0" anchor="b"/>
+          <a:lstStyle>
+            <a:lvl1pPr algn="l">
+              <a:defRPr sz="1200"/>
+            </a:lvl1pPr>
+          </a:lstStyle>
+          <a:p>
+            <a:endParaRPr lang="en-US"/>
+          </a:p>
+        </p:txBody>
+      </p:sp>
+      <p:sp>
+        <p:nvSpPr>
+          <p:cNvPr id="7" name="Slide Number Placeholder 6"/>
+          <p:cNvSpPr>
+            <a:spLocks noGrp="1"/>
+          </p:cNvSpPr>
+          <p:nvPr>
+            <p:ph type="sldNum" sz="quarter" idx="5"/>
+          </p:nvPr>
+        </p:nvSpPr>
+        <p:spPr>
+          <a:xfrm>
+            <a:off x="3884613" y="8685213"/>
+            <a:ext cx="2971800" cy="458787"/>
+          </a:xfrm>
+          <a:prstGeom prst="rect">
+            <a:avLst/>
+          </a:prstGeom>
+        </p:spPr>
+        <p:txBody>
+          <a:bodyPr vert="horz" lIns="91440" tIns="45720" rIns="91440" bIns="45720" rtlCol="0" anchor="b"/>
+          <a:lstStyle>
+            <a:lvl1pPr algn="r">
+              <a:defRPr sz="1200"/>
+            </a:lvl1pPr>
+          </a:lstStyle>
+          <a:p>
+            <a:fld id="{242055BE-1A50-D847-9A16-7280FB4F4117}" type="slidenum">
+              <a:rPr lang="en-US" smtClean="0"/>
+              <a:t>‹#›</a:t>
+            </a:fld>
+            <a:endParaRPr lang="en-US"/>
+          </a:p>
+        </p:txBody>
+      </p:sp>
+    </p:spTree>
+    <p:extLst>
+      <p:ext uri="{BB962C8B-B14F-4D97-AF65-F5344CB8AC3E}">
+        <p14:creationId xmlns:p14="http://schemas.microsoft.com/office/powerpoint/2010/main" val="793729004"/>
+      </p:ext>
+    </p:extLst>
+  </p:cSld>
+  <p:clrMap bg1="lt1" tx1="dk1" bg2="lt2" tx2="dk2" accent1="accent1" accent2="accent2" accent3="accent3" accent4="accent4" accent5="accent5" accent6="accent6" hlink="hlink" folHlink="folHlink"/>
+  <p:notesStyle>
+    <a:lvl1pPr marL="0" algn="l" defTabSz="914400" rtl="0" eaLnBrk="1" latinLnBrk="0" hangingPunct="1">
+      <a:defRPr sz="1200" kern="1200">
+        <a:solidFill>
+          <a:schemeClr val="tx1"/>
+        </a:solidFill>
+        <a:latin typeface="+mn-lt"/>
+        <a:ea typeface="+mn-ea"/>
+        <a:cs typeface="+mn-cs"/>
+      </a:defRPr>
+    </a:lvl1pPr>
+    <a:lvl2pPr marL="457200" algn="l" defTabSz="914400" rtl="0" eaLnBrk="1" latinLnBrk="0" hangingPunct="1">
+      <a:defRPr sz="1200" kern="1200">
+        <a:solidFill>
+          <a:schemeClr val="tx1"/>
+        </a:solidFill>
+        <a:latin typeface="+mn-lt"/>
+        <a:ea typeface="+mn-ea"/>
+        <a:cs typeface="+mn-cs"/>
+      </a:defRPr>
+    </a:lvl2pPr>
+    <a:lvl3pPr marL="914400" algn="l" defTabSz="914400" rtl="0" eaLnBrk="1" latinLnBrk="0" hangingPunct="1">
+      <a:defRPr sz="1200" kern="1200">
+        <a:solidFill>
+          <a:schemeClr val="tx1"/>
+        </a:solidFill>
+        <a:latin typeface="+mn-lt"/>
+        <a:ea typeface="+mn-ea"/>
+        <a:cs typeface="+mn-cs"/>
+      </a:defRPr>
+    </a:lvl3pPr>
+    <a:lvl4pPr marL="1371600" algn="l" defTabSz="914400" rtl="0" eaLnBrk="1" latinLnBrk="0" hangingPunct="1">
+      <a:defRPr sz="1200" kern="1200">
+        <a:solidFill>
+          <a:schemeClr val="tx1"/>
+        </a:solidFill>
+        <a:latin typeface="+mn-lt"/>
+        <a:ea typeface="+mn-ea"/>
+        <a:cs typeface="+mn-cs"/>
+      </a:defRPr>
+    </a:lvl4pPr>
+    <a:lvl5pPr marL="1828800" algn="l" defTabSz="914400" rtl="0" eaLnBrk="1" latinLnBrk="0" hangingPunct="1">
+      <a:defRPr sz="1200" kern="1200">
+        <a:solidFill>
+          <a:schemeClr val="tx1"/>
+        </a:solidFill>
+        <a:latin typeface="+mn-lt"/>
+        <a:ea typeface="+mn-ea"/>
+        <a:cs typeface="+mn-cs"/>
+      </a:defRPr>
+    </a:lvl5pPr>
+    <a:lvl6pPr marL="2286000" algn="l" defTabSz="914400" rtl="0" eaLnBrk="1" latinLnBrk="0" hangingPunct="1">
+      <a:defRPr sz="1200" kern="1200">
+        <a:solidFill>
+          <a:schemeClr val="tx1"/>
+        </a:solidFill>
+        <a:latin typeface="+mn-lt"/>
+        <a:ea typeface="+mn-ea"/>
+        <a:cs typeface="+mn-cs"/>
+      </a:defRPr>
+    </a:lvl6pPr>
+    <a:lvl7pPr marL="2743200" algn="l" defTabSz="914400" rtl="0" eaLnBrk="1" latinLnBrk="0" hangingPunct="1">
+      <a:defRPr sz="1200" kern="1200">
+        <a:solidFill>
+          <a:schemeClr val="tx1"/>
+        </a:solidFill>
+        <a:latin typeface="+mn-lt"/>
+        <a:ea typeface="+mn-ea"/>
+        <a:cs typeface="+mn-cs"/>
+      </a:defRPr>
+    </a:lvl7pPr>
+    <a:lvl8pPr marL="3200400" algn="l" defTabSz="914400" rtl="0" eaLnBrk="1" latinLnBrk="0" hangingPunct="1">
+      <a:defRPr sz="1200" kern="1200">
+        <a:solidFill>
+          <a:schemeClr val="tx1"/>
+        </a:solidFill>
+        <a:latin typeface="+mn-lt"/>
+        <a:ea typeface="+mn-ea"/>
+        <a:cs typeface="+mn-cs"/>
+      </a:defRPr>
+    </a:lvl8pPr>
+    <a:lvl9pPr marL="3657600" algn="l" defTabSz="914400" rtl="0" eaLnBrk="1" latinLnBrk="0" hangingPunct="1">
+      <a:defRPr sz="1200" kern="1200">
+        <a:solidFill>
+          <a:schemeClr val="tx1"/>
+        </a:solidFill>
+        <a:latin typeface="+mn-lt"/>
+        <a:ea typeface="+mn-ea"/>
+        <a:cs typeface="+mn-cs"/>
+      </a:defRPr>
+    </a:lvl9pPr>
+  </p:notesStyle>
+</p:notesMaster>
 </file>
 
 <file path=ppt/slideLayouts/slideLayout1.xml><?xml version="1.0" encoding="utf-8"?>
@@ -160,10 +517,9 @@
           </a:lstStyle>
           <a:p>
             <a:r>
-              <a:rPr lang="en-US" smtClean="0"/>
+              <a:rPr lang="en-US"/>
               <a:t>Click to edit Master title style</a:t>
             </a:r>
-            <a:endParaRPr lang="en-US"/>
           </a:p>
         </p:txBody>
       </p:sp>
@@ -225,10 +581,9 @@
           </a:lstStyle>
           <a:p>
             <a:r>
-              <a:rPr lang="en-US" smtClean="0"/>
+              <a:rPr lang="en-US"/>
               <a:t>Click to edit Master subtitle style</a:t>
             </a:r>
-            <a:endParaRPr lang="en-US"/>
           </a:p>
         </p:txBody>
       </p:sp>
@@ -249,7 +604,7 @@
           <a:p>
             <a:fld id="{42C0A549-9712-4627-9052-CA9AF268FCF7}" type="datetimeFigureOut">
               <a:rPr lang="en-US" smtClean="0"/>
-              <a:t>5/8/2019</a:t>
+              <a:t>5/18/19</a:t>
             </a:fld>
             <a:endParaRPr lang="en-US"/>
           </a:p>
@@ -343,10 +698,9 @@
           <a:lstStyle/>
           <a:p>
             <a:r>
-              <a:rPr lang="en-US" smtClean="0"/>
+              <a:rPr lang="en-US"/>
               <a:t>Click to edit Master title style</a:t>
             </a:r>
-            <a:endParaRPr lang="en-US"/>
           </a:p>
         </p:txBody>
       </p:sp>
@@ -367,38 +721,37 @@
           <a:p>
             <a:pPr lvl="0"/>
             <a:r>
-              <a:rPr lang="en-US" smtClean="0"/>
+              <a:rPr lang="en-US"/>
               <a:t>Edit Master text styles</a:t>
             </a:r>
           </a:p>
           <a:p>
             <a:pPr lvl="1"/>
             <a:r>
-              <a:rPr lang="en-US" smtClean="0"/>
+              <a:rPr lang="en-US"/>
               <a:t>Second level</a:t>
             </a:r>
           </a:p>
           <a:p>
             <a:pPr lvl="2"/>
             <a:r>
-              <a:rPr lang="en-US" smtClean="0"/>
+              <a:rPr lang="en-US"/>
               <a:t>Third level</a:t>
             </a:r>
           </a:p>
           <a:p>
             <a:pPr lvl="3"/>
             <a:r>
-              <a:rPr lang="en-US" smtClean="0"/>
+              <a:rPr lang="en-US"/>
               <a:t>Fourth level</a:t>
             </a:r>
           </a:p>
           <a:p>
             <a:pPr lvl="4"/>
             <a:r>
-              <a:rPr lang="en-US" smtClean="0"/>
+              <a:rPr lang="en-US"/>
               <a:t>Fifth level</a:t>
             </a:r>
-            <a:endParaRPr lang="en-US"/>
           </a:p>
         </p:txBody>
       </p:sp>
@@ -419,7 +772,7 @@
           <a:p>
             <a:fld id="{42C0A549-9712-4627-9052-CA9AF268FCF7}" type="datetimeFigureOut">
               <a:rPr lang="en-US" smtClean="0"/>
-              <a:t>5/8/2019</a:t>
+              <a:t>5/18/19</a:t>
             </a:fld>
             <a:endParaRPr lang="en-US"/>
           </a:p>
@@ -518,10 +871,9 @@
           <a:lstStyle/>
           <a:p>
             <a:r>
-              <a:rPr lang="en-US" smtClean="0"/>
+              <a:rPr lang="en-US"/>
               <a:t>Click to edit Master title style</a:t>
             </a:r>
-            <a:endParaRPr lang="en-US"/>
           </a:p>
         </p:txBody>
       </p:sp>
@@ -547,38 +899,37 @@
           <a:p>
             <a:pPr lvl="0"/>
             <a:r>
-              <a:rPr lang="en-US" smtClean="0"/>
+              <a:rPr lang="en-US"/>
               <a:t>Edit Master text styles</a:t>
             </a:r>
           </a:p>
           <a:p>
             <a:pPr lvl="1"/>
             <a:r>
-              <a:rPr lang="en-US" smtClean="0"/>
+              <a:rPr lang="en-US"/>
               <a:t>Second level</a:t>
             </a:r>
           </a:p>
           <a:p>
             <a:pPr lvl="2"/>
             <a:r>
-              <a:rPr lang="en-US" smtClean="0"/>
+              <a:rPr lang="en-US"/>
               <a:t>Third level</a:t>
             </a:r>
           </a:p>
           <a:p>
             <a:pPr lvl="3"/>
             <a:r>
-              <a:rPr lang="en-US" smtClean="0"/>
+              <a:rPr lang="en-US"/>
               <a:t>Fourth level</a:t>
             </a:r>
           </a:p>
           <a:p>
             <a:pPr lvl="4"/>
             <a:r>
-              <a:rPr lang="en-US" smtClean="0"/>
+              <a:rPr lang="en-US"/>
               <a:t>Fifth level</a:t>
             </a:r>
-            <a:endParaRPr lang="en-US"/>
           </a:p>
         </p:txBody>
       </p:sp>
@@ -599,7 +950,7 @@
           <a:p>
             <a:fld id="{42C0A549-9712-4627-9052-CA9AF268FCF7}" type="datetimeFigureOut">
               <a:rPr lang="en-US" smtClean="0"/>
-              <a:t>5/8/2019</a:t>
+              <a:t>5/18/19</a:t>
             </a:fld>
             <a:endParaRPr lang="en-US"/>
           </a:p>
@@ -693,10 +1044,9 @@
           <a:lstStyle/>
           <a:p>
             <a:r>
-              <a:rPr lang="en-US" smtClean="0"/>
+              <a:rPr lang="en-US"/>
               <a:t>Click to edit Master title style</a:t>
             </a:r>
-            <a:endParaRPr lang="en-US"/>
           </a:p>
         </p:txBody>
       </p:sp>
@@ -717,38 +1067,37 @@
           <a:p>
             <a:pPr lvl="0"/>
             <a:r>
-              <a:rPr lang="en-US" smtClean="0"/>
+              <a:rPr lang="en-US"/>
               <a:t>Edit Master text styles</a:t>
             </a:r>
           </a:p>
           <a:p>
             <a:pPr lvl="1"/>
             <a:r>
-              <a:rPr lang="en-US" smtClean="0"/>
+              <a:rPr lang="en-US"/>
               <a:t>Second level</a:t>
             </a:r>
           </a:p>
           <a:p>
             <a:pPr lvl="2"/>
             <a:r>
-              <a:rPr lang="en-US" smtClean="0"/>
+              <a:rPr lang="en-US"/>
               <a:t>Third level</a:t>
             </a:r>
           </a:p>
           <a:p>
             <a:pPr lvl="3"/>
             <a:r>
-              <a:rPr lang="en-US" smtClean="0"/>
+              <a:rPr lang="en-US"/>
               <a:t>Fourth level</a:t>
             </a:r>
           </a:p>
           <a:p>
             <a:pPr lvl="4"/>
             <a:r>
-              <a:rPr lang="en-US" smtClean="0"/>
+              <a:rPr lang="en-US"/>
               <a:t>Fifth level</a:t>
             </a:r>
-            <a:endParaRPr lang="en-US"/>
           </a:p>
         </p:txBody>
       </p:sp>
@@ -769,7 +1118,7 @@
           <a:p>
             <a:fld id="{42C0A549-9712-4627-9052-CA9AF268FCF7}" type="datetimeFigureOut">
               <a:rPr lang="en-US" smtClean="0"/>
-              <a:t>5/8/2019</a:t>
+              <a:t>5/18/19</a:t>
             </a:fld>
             <a:endParaRPr lang="en-US"/>
           </a:p>
@@ -872,10 +1221,9 @@
           </a:lstStyle>
           <a:p>
             <a:r>
-              <a:rPr lang="en-US" smtClean="0"/>
+              <a:rPr lang="en-US"/>
               <a:t>Click to edit Master title style</a:t>
             </a:r>
-            <a:endParaRPr lang="en-US"/>
           </a:p>
         </p:txBody>
       </p:sp>
@@ -992,7 +1340,7 @@
           <a:p>
             <a:pPr lvl="0"/>
             <a:r>
-              <a:rPr lang="en-US" smtClean="0"/>
+              <a:rPr lang="en-US"/>
               <a:t>Edit Master text styles</a:t>
             </a:r>
           </a:p>
@@ -1015,7 +1363,7 @@
           <a:p>
             <a:fld id="{42C0A549-9712-4627-9052-CA9AF268FCF7}" type="datetimeFigureOut">
               <a:rPr lang="en-US" smtClean="0"/>
-              <a:t>5/8/2019</a:t>
+              <a:t>5/18/19</a:t>
             </a:fld>
             <a:endParaRPr lang="en-US"/>
           </a:p>
@@ -1109,10 +1457,9 @@
           <a:lstStyle/>
           <a:p>
             <a:r>
-              <a:rPr lang="en-US" smtClean="0"/>
+              <a:rPr lang="en-US"/>
               <a:t>Click to edit Master title style</a:t>
             </a:r>
-            <a:endParaRPr lang="en-US"/>
           </a:p>
         </p:txBody>
       </p:sp>
@@ -1138,38 +1485,37 @@
           <a:p>
             <a:pPr lvl="0"/>
             <a:r>
-              <a:rPr lang="en-US" smtClean="0"/>
+              <a:rPr lang="en-US"/>
               <a:t>Edit Master text styles</a:t>
             </a:r>
           </a:p>
           <a:p>
             <a:pPr lvl="1"/>
             <a:r>
-              <a:rPr lang="en-US" smtClean="0"/>
+              <a:rPr lang="en-US"/>
               <a:t>Second level</a:t>
             </a:r>
           </a:p>
           <a:p>
             <a:pPr lvl="2"/>
             <a:r>
-              <a:rPr lang="en-US" smtClean="0"/>
+              <a:rPr lang="en-US"/>
               <a:t>Third level</a:t>
             </a:r>
           </a:p>
           <a:p>
             <a:pPr lvl="3"/>
             <a:r>
-              <a:rPr lang="en-US" smtClean="0"/>
+              <a:rPr lang="en-US"/>
               <a:t>Fourth level</a:t>
             </a:r>
           </a:p>
           <a:p>
             <a:pPr lvl="4"/>
             <a:r>
-              <a:rPr lang="en-US" smtClean="0"/>
+              <a:rPr lang="en-US"/>
               <a:t>Fifth level</a:t>
             </a:r>
-            <a:endParaRPr lang="en-US"/>
           </a:p>
         </p:txBody>
       </p:sp>
@@ -1195,38 +1541,37 @@
           <a:p>
             <a:pPr lvl="0"/>
             <a:r>
-              <a:rPr lang="en-US" smtClean="0"/>
+              <a:rPr lang="en-US"/>
               <a:t>Edit Master text styles</a:t>
             </a:r>
           </a:p>
           <a:p>
             <a:pPr lvl="1"/>
             <a:r>
-              <a:rPr lang="en-US" smtClean="0"/>
+              <a:rPr lang="en-US"/>
               <a:t>Second level</a:t>
             </a:r>
           </a:p>
           <a:p>
             <a:pPr lvl="2"/>
             <a:r>
-              <a:rPr lang="en-US" smtClean="0"/>
+              <a:rPr lang="en-US"/>
               <a:t>Third level</a:t>
             </a:r>
           </a:p>
           <a:p>
             <a:pPr lvl="3"/>
             <a:r>
-              <a:rPr lang="en-US" smtClean="0"/>
+              <a:rPr lang="en-US"/>
               <a:t>Fourth level</a:t>
             </a:r>
           </a:p>
           <a:p>
             <a:pPr lvl="4"/>
             <a:r>
-              <a:rPr lang="en-US" smtClean="0"/>
+              <a:rPr lang="en-US"/>
               <a:t>Fifth level</a:t>
             </a:r>
-            <a:endParaRPr lang="en-US"/>
           </a:p>
         </p:txBody>
       </p:sp>
@@ -1247,7 +1592,7 @@
           <a:p>
             <a:fld id="{42C0A549-9712-4627-9052-CA9AF268FCF7}" type="datetimeFigureOut">
               <a:rPr lang="en-US" smtClean="0"/>
-              <a:t>5/8/2019</a:t>
+              <a:t>5/18/19</a:t>
             </a:fld>
             <a:endParaRPr lang="en-US"/>
           </a:p>
@@ -1346,10 +1691,9 @@
           <a:lstStyle/>
           <a:p>
             <a:r>
-              <a:rPr lang="en-US" smtClean="0"/>
+              <a:rPr lang="en-US"/>
               <a:t>Click to edit Master title style</a:t>
             </a:r>
-            <a:endParaRPr lang="en-US"/>
           </a:p>
         </p:txBody>
       </p:sp>
@@ -1412,7 +1756,7 @@
           <a:p>
             <a:pPr lvl="0"/>
             <a:r>
-              <a:rPr lang="en-US" smtClean="0"/>
+              <a:rPr lang="en-US"/>
               <a:t>Edit Master text styles</a:t>
             </a:r>
           </a:p>
@@ -1440,38 +1784,37 @@
           <a:p>
             <a:pPr lvl="0"/>
             <a:r>
-              <a:rPr lang="en-US" smtClean="0"/>
+              <a:rPr lang="en-US"/>
               <a:t>Edit Master text styles</a:t>
             </a:r>
           </a:p>
           <a:p>
             <a:pPr lvl="1"/>
             <a:r>
-              <a:rPr lang="en-US" smtClean="0"/>
+              <a:rPr lang="en-US"/>
               <a:t>Second level</a:t>
             </a:r>
           </a:p>
           <a:p>
             <a:pPr lvl="2"/>
             <a:r>
-              <a:rPr lang="en-US" smtClean="0"/>
+              <a:rPr lang="en-US"/>
               <a:t>Third level</a:t>
             </a:r>
           </a:p>
           <a:p>
             <a:pPr lvl="3"/>
             <a:r>
-              <a:rPr lang="en-US" smtClean="0"/>
+              <a:rPr lang="en-US"/>
               <a:t>Fourth level</a:t>
             </a:r>
           </a:p>
           <a:p>
             <a:pPr lvl="4"/>
             <a:r>
-              <a:rPr lang="en-US" smtClean="0"/>
+              <a:rPr lang="en-US"/>
               <a:t>Fifth level</a:t>
             </a:r>
-            <a:endParaRPr lang="en-US"/>
           </a:p>
         </p:txBody>
       </p:sp>
@@ -1534,7 +1877,7 @@
           <a:p>
             <a:pPr lvl="0"/>
             <a:r>
-              <a:rPr lang="en-US" smtClean="0"/>
+              <a:rPr lang="en-US"/>
               <a:t>Edit Master text styles</a:t>
             </a:r>
           </a:p>
@@ -1562,38 +1905,37 @@
           <a:p>
             <a:pPr lvl="0"/>
             <a:r>
-              <a:rPr lang="en-US" smtClean="0"/>
+              <a:rPr lang="en-US"/>
               <a:t>Edit Master text styles</a:t>
             </a:r>
           </a:p>
           <a:p>
             <a:pPr lvl="1"/>
             <a:r>
-              <a:rPr lang="en-US" smtClean="0"/>
+              <a:rPr lang="en-US"/>
               <a:t>Second level</a:t>
             </a:r>
           </a:p>
           <a:p>
             <a:pPr lvl="2"/>
             <a:r>
-              <a:rPr lang="en-US" smtClean="0"/>
+              <a:rPr lang="en-US"/>
               <a:t>Third level</a:t>
             </a:r>
           </a:p>
           <a:p>
             <a:pPr lvl="3"/>
             <a:r>
-              <a:rPr lang="en-US" smtClean="0"/>
+              <a:rPr lang="en-US"/>
               <a:t>Fourth level</a:t>
             </a:r>
           </a:p>
           <a:p>
             <a:pPr lvl="4"/>
             <a:r>
-              <a:rPr lang="en-US" smtClean="0"/>
+              <a:rPr lang="en-US"/>
               <a:t>Fifth level</a:t>
             </a:r>
-            <a:endParaRPr lang="en-US"/>
           </a:p>
         </p:txBody>
       </p:sp>
@@ -1614,7 +1956,7 @@
           <a:p>
             <a:fld id="{42C0A549-9712-4627-9052-CA9AF268FCF7}" type="datetimeFigureOut">
               <a:rPr lang="en-US" smtClean="0"/>
-              <a:t>5/8/2019</a:t>
+              <a:t>5/18/19</a:t>
             </a:fld>
             <a:endParaRPr lang="en-US"/>
           </a:p>
@@ -1708,10 +2050,9 @@
           <a:lstStyle/>
           <a:p>
             <a:r>
-              <a:rPr lang="en-US" smtClean="0"/>
+              <a:rPr lang="en-US"/>
               <a:t>Click to edit Master title style</a:t>
             </a:r>
-            <a:endParaRPr lang="en-US"/>
           </a:p>
         </p:txBody>
       </p:sp>
@@ -1732,7 +2073,7 @@
           <a:p>
             <a:fld id="{42C0A549-9712-4627-9052-CA9AF268FCF7}" type="datetimeFigureOut">
               <a:rPr lang="en-US" smtClean="0"/>
-              <a:t>5/8/2019</a:t>
+              <a:t>5/18/19</a:t>
             </a:fld>
             <a:endParaRPr lang="en-US"/>
           </a:p>
@@ -1827,7 +2168,7 @@
           <a:p>
             <a:fld id="{42C0A549-9712-4627-9052-CA9AF268FCF7}" type="datetimeFigureOut">
               <a:rPr lang="en-US" smtClean="0"/>
-              <a:t>5/8/2019</a:t>
+              <a:t>5/18/19</a:t>
             </a:fld>
             <a:endParaRPr lang="en-US"/>
           </a:p>
@@ -1930,10 +2271,9 @@
           </a:lstStyle>
           <a:p>
             <a:r>
-              <a:rPr lang="en-US" smtClean="0"/>
+              <a:rPr lang="en-US"/>
               <a:t>Click to edit Master title style</a:t>
             </a:r>
-            <a:endParaRPr lang="en-US"/>
           </a:p>
         </p:txBody>
       </p:sp>
@@ -1987,38 +2327,37 @@
           <a:p>
             <a:pPr lvl="0"/>
             <a:r>
-              <a:rPr lang="en-US" smtClean="0"/>
+              <a:rPr lang="en-US"/>
               <a:t>Edit Master text styles</a:t>
             </a:r>
           </a:p>
           <a:p>
             <a:pPr lvl="1"/>
             <a:r>
-              <a:rPr lang="en-US" smtClean="0"/>
+              <a:rPr lang="en-US"/>
               <a:t>Second level</a:t>
             </a:r>
           </a:p>
           <a:p>
             <a:pPr lvl="2"/>
             <a:r>
-              <a:rPr lang="en-US" smtClean="0"/>
+              <a:rPr lang="en-US"/>
               <a:t>Third level</a:t>
             </a:r>
           </a:p>
           <a:p>
             <a:pPr lvl="3"/>
             <a:r>
-              <a:rPr lang="en-US" smtClean="0"/>
+              <a:rPr lang="en-US"/>
               <a:t>Fourth level</a:t>
             </a:r>
           </a:p>
           <a:p>
             <a:pPr lvl="4"/>
             <a:r>
-              <a:rPr lang="en-US" smtClean="0"/>
+              <a:rPr lang="en-US"/>
               <a:t>Fifth level</a:t>
             </a:r>
-            <a:endParaRPr lang="en-US"/>
           </a:p>
         </p:txBody>
       </p:sp>
@@ -2081,7 +2420,7 @@
           <a:p>
             <a:pPr lvl="0"/>
             <a:r>
-              <a:rPr lang="en-US" smtClean="0"/>
+              <a:rPr lang="en-US"/>
               <a:t>Edit Master text styles</a:t>
             </a:r>
           </a:p>
@@ -2104,7 +2443,7 @@
           <a:p>
             <a:fld id="{42C0A549-9712-4627-9052-CA9AF268FCF7}" type="datetimeFigureOut">
               <a:rPr lang="en-US" smtClean="0"/>
-              <a:t>5/8/2019</a:t>
+              <a:t>5/18/19</a:t>
             </a:fld>
             <a:endParaRPr lang="en-US"/>
           </a:p>
@@ -2207,10 +2546,9 @@
           </a:lstStyle>
           <a:p>
             <a:r>
-              <a:rPr lang="en-US" smtClean="0"/>
+              <a:rPr lang="en-US"/>
               <a:t>Click to edit Master title style</a:t>
             </a:r>
-            <a:endParaRPr lang="en-US"/>
           </a:p>
         </p:txBody>
       </p:sp>
@@ -2334,7 +2672,7 @@
           <a:p>
             <a:pPr lvl="0"/>
             <a:r>
-              <a:rPr lang="en-US" smtClean="0"/>
+              <a:rPr lang="en-US"/>
               <a:t>Edit Master text styles</a:t>
             </a:r>
           </a:p>
@@ -2357,7 +2695,7 @@
           <a:p>
             <a:fld id="{42C0A549-9712-4627-9052-CA9AF268FCF7}" type="datetimeFigureOut">
               <a:rPr lang="en-US" smtClean="0"/>
-              <a:t>5/8/2019</a:t>
+              <a:t>5/18/19</a:t>
             </a:fld>
             <a:endParaRPr lang="en-US"/>
           </a:p>
@@ -2466,10 +2804,9 @@
           <a:lstStyle/>
           <a:p>
             <a:r>
-              <a:rPr lang="en-US" smtClean="0"/>
+              <a:rPr lang="en-US"/>
               <a:t>Click to edit Master title style</a:t>
             </a:r>
-            <a:endParaRPr lang="en-US"/>
           </a:p>
         </p:txBody>
       </p:sp>
@@ -2500,38 +2837,37 @@
           <a:p>
             <a:pPr lvl="0"/>
             <a:r>
-              <a:rPr lang="en-US" smtClean="0"/>
+              <a:rPr lang="en-US"/>
               <a:t>Edit Master text styles</a:t>
             </a:r>
           </a:p>
           <a:p>
             <a:pPr lvl="1"/>
             <a:r>
-              <a:rPr lang="en-US" smtClean="0"/>
+              <a:rPr lang="en-US"/>
               <a:t>Second level</a:t>
             </a:r>
           </a:p>
           <a:p>
             <a:pPr lvl="2"/>
             <a:r>
-              <a:rPr lang="en-US" smtClean="0"/>
+              <a:rPr lang="en-US"/>
               <a:t>Third level</a:t>
             </a:r>
           </a:p>
           <a:p>
             <a:pPr lvl="3"/>
             <a:r>
-              <a:rPr lang="en-US" smtClean="0"/>
+              <a:rPr lang="en-US"/>
               <a:t>Fourth level</a:t>
             </a:r>
           </a:p>
           <a:p>
             <a:pPr lvl="4"/>
             <a:r>
-              <a:rPr lang="en-US" smtClean="0"/>
+              <a:rPr lang="en-US"/>
               <a:t>Fifth level</a:t>
             </a:r>
-            <a:endParaRPr lang="en-US"/>
           </a:p>
         </p:txBody>
       </p:sp>
@@ -2570,7 +2906,7 @@
           <a:p>
             <a:fld id="{42C0A549-9712-4627-9052-CA9AF268FCF7}" type="datetimeFigureOut">
               <a:rPr lang="en-US" smtClean="0"/>
-              <a:t>5/8/2019</a:t>
+              <a:t>5/18/19</a:t>
             </a:fld>
             <a:endParaRPr lang="en-US"/>
           </a:p>
@@ -3033,7 +3369,7 @@
           <a:lstStyle/>
           <a:p>
             <a:r>
-              <a:rPr lang="en-US" sz="2800" dirty="0" smtClean="0"/>
+              <a:rPr lang="en-US" sz="2800" dirty="0"/>
               <a:t>Notes for the parameter search results of a bent curve</a:t>
             </a:r>
           </a:p>
@@ -3062,7 +3398,7 @@
           <a:lstStyle/>
           <a:p>
             <a:r>
-              <a:rPr lang="en-US" dirty="0" smtClean="0"/>
+              <a:rPr lang="en-US" dirty="0"/>
               <a:t>A bent curve in 3D</a:t>
             </a:r>
           </a:p>
@@ -3091,18 +3427,13 @@
           <a:lstStyle/>
           <a:p>
             <a:r>
-              <a:rPr lang="en-US" b="1" dirty="0" smtClean="0">
+              <a:rPr lang="en-US" b="1" dirty="0">
                 <a:solidFill>
                   <a:srgbClr val="FFFF00"/>
                 </a:solidFill>
               </a:rPr>
               <a:t>Input</a:t>
             </a:r>
-            <a:endParaRPr lang="en-US" b="1" dirty="0">
-              <a:solidFill>
-                <a:srgbClr val="FFFF00"/>
-              </a:solidFill>
-            </a:endParaRPr>
           </a:p>
         </p:txBody>
       </p:sp>
@@ -3129,7 +3460,7 @@
           <a:lstStyle/>
           <a:p>
             <a:r>
-              <a:rPr lang="en-US" sz="1400" dirty="0" smtClean="0"/>
+              <a:rPr lang="en-US" sz="1400" dirty="0"/>
               <a:t>All the scale bars are 300 nm in the direction indicated by the yellow double sided arrows.</a:t>
             </a:r>
           </a:p>
@@ -3386,10 +3717,9 @@
           <a:lstStyle/>
           <a:p>
             <a:r>
-              <a:rPr lang="en-US" dirty="0" smtClean="0"/>
+              <a:rPr lang="en-US" dirty="0"/>
               <a:t>Reconstruction</a:t>
             </a:r>
-            <a:endParaRPr lang="en-US" dirty="0"/>
           </a:p>
         </p:txBody>
       </p:sp>
@@ -3647,16 +3977,12 @@
           <a:lstStyle/>
           <a:p>
             <a:r>
-              <a:rPr lang="en-US" dirty="0" smtClean="0">
+              <a:rPr lang="en-US" dirty="0">
                 <a:latin typeface="Arial" panose="020B0604020202020204" pitchFamily="34" charset="0"/>
                 <a:cs typeface="Arial" panose="020B0604020202020204" pitchFamily="34" charset="0"/>
               </a:rPr>
               <a:t>x</a:t>
             </a:r>
-            <a:endParaRPr lang="en-US" dirty="0">
-              <a:latin typeface="Arial" panose="020B0604020202020204" pitchFamily="34" charset="0"/>
-              <a:cs typeface="Arial" panose="020B0604020202020204" pitchFamily="34" charset="0"/>
-            </a:endParaRPr>
           </a:p>
         </p:txBody>
       </p:sp>
@@ -3786,10 +4112,6 @@
                 </a:rPr>
                 <a:t>z</a:t>
               </a:r>
-              <a:endParaRPr lang="en-US" dirty="0">
-                <a:latin typeface="Arial" panose="020B0604020202020204" pitchFamily="34" charset="0"/>
-                <a:cs typeface="Arial" panose="020B0604020202020204" pitchFamily="34" charset="0"/>
-              </a:endParaRPr>
             </a:p>
           </p:txBody>
         </p:sp>
@@ -3914,16 +4236,12 @@
             <a:lstStyle/>
             <a:p>
               <a:r>
-                <a:rPr lang="en-US" dirty="0" smtClean="0">
+                <a:rPr lang="en-US" dirty="0">
                   <a:latin typeface="Arial" panose="020B0604020202020204" pitchFamily="34" charset="0"/>
                   <a:cs typeface="Arial" panose="020B0604020202020204" pitchFamily="34" charset="0"/>
                 </a:rPr>
                 <a:t>y</a:t>
               </a:r>
-              <a:endParaRPr lang="en-US" dirty="0">
-                <a:latin typeface="Arial" panose="020B0604020202020204" pitchFamily="34" charset="0"/>
-                <a:cs typeface="Arial" panose="020B0604020202020204" pitchFamily="34" charset="0"/>
-              </a:endParaRPr>
             </a:p>
           </p:txBody>
         </p:sp>
@@ -4054,10 +4372,6 @@
                 </a:rPr>
                 <a:t>z</a:t>
               </a:r>
-              <a:endParaRPr lang="en-US" dirty="0">
-                <a:latin typeface="Arial" panose="020B0604020202020204" pitchFamily="34" charset="0"/>
-                <a:cs typeface="Arial" panose="020B0604020202020204" pitchFamily="34" charset="0"/>
-              </a:endParaRPr>
             </a:p>
           </p:txBody>
         </p:sp>
@@ -4090,10 +4404,9 @@
           <a:lstStyle/>
           <a:p>
             <a:r>
-              <a:rPr lang="en-US" dirty="0" smtClean="0"/>
+              <a:rPr lang="en-US" dirty="0"/>
               <a:t>Some artifact due to edge effect (the feature in the observation is outside of the cropped FOV).  Such artifact is expected to be removed when we take surrounding FOVs and stich the result together, which will be the immediate next step. Then we perform a 3D rendering, this experimental demonstration should be settled.</a:t>
             </a:r>
-            <a:endParaRPr lang="en-US" dirty="0"/>
           </a:p>
         </p:txBody>
       </p:sp>
@@ -4240,18 +4553,13 @@
           <a:lstStyle/>
           <a:p>
             <a:r>
-              <a:rPr lang="en-US" dirty="0" smtClean="0">
+              <a:rPr lang="en-US" dirty="0">
                 <a:solidFill>
                   <a:srgbClr val="FFFF00"/>
                 </a:solidFill>
               </a:rPr>
               <a:t>300 nm</a:t>
             </a:r>
-            <a:endParaRPr lang="en-US" dirty="0">
-              <a:solidFill>
-                <a:srgbClr val="FFFF00"/>
-              </a:solidFill>
-            </a:endParaRPr>
           </a:p>
         </p:txBody>
       </p:sp>
@@ -4278,18 +4586,13 @@
           <a:lstStyle/>
           <a:p>
             <a:r>
-              <a:rPr lang="en-US" dirty="0" smtClean="0">
+              <a:rPr lang="en-US" dirty="0">
                 <a:solidFill>
                   <a:srgbClr val="FFFF00"/>
                 </a:solidFill>
               </a:rPr>
               <a:t>XY</a:t>
             </a:r>
-            <a:endParaRPr lang="en-US" dirty="0">
-              <a:solidFill>
-                <a:srgbClr val="FFFF00"/>
-              </a:solidFill>
-            </a:endParaRPr>
           </a:p>
         </p:txBody>
       </p:sp>
@@ -4316,18 +4619,13 @@
           <a:lstStyle/>
           <a:p>
             <a:r>
-              <a:rPr lang="en-US" dirty="0" smtClean="0">
+              <a:rPr lang="en-US" dirty="0">
                 <a:solidFill>
                   <a:srgbClr val="FFFF00"/>
                 </a:solidFill>
               </a:rPr>
               <a:t>YZ</a:t>
             </a:r>
-            <a:endParaRPr lang="en-US" dirty="0">
-              <a:solidFill>
-                <a:srgbClr val="FFFF00"/>
-              </a:solidFill>
-            </a:endParaRPr>
           </a:p>
         </p:txBody>
       </p:sp>
@@ -4359,21 +4657,8 @@
                   <a:srgbClr val="FFFF00"/>
                 </a:solidFill>
               </a:rPr>
-              <a:t>X</a:t>
-            </a:r>
-            <a:r>
-              <a:rPr lang="en-US" dirty="0" smtClean="0">
-                <a:solidFill>
-                  <a:srgbClr val="FFFF00"/>
-                </a:solidFill>
-              </a:rPr>
-              <a:t>Z</a:t>
-            </a:r>
-            <a:endParaRPr lang="en-US" dirty="0">
-              <a:solidFill>
-                <a:srgbClr val="FFFF00"/>
-              </a:solidFill>
-            </a:endParaRPr>
+              <a:t>XZ</a:t>
+            </a:r>
           </a:p>
         </p:txBody>
       </p:sp>
@@ -4405,10 +4690,9 @@
           <a:lstStyle/>
           <a:p>
             <a:r>
-              <a:rPr lang="en-US" dirty="0" smtClean="0"/>
+              <a:rPr lang="en-US" dirty="0"/>
               <a:t>Resolution in the z-direction is worse than that in the x or y direction. This is physically reasonable and is expected.</a:t>
             </a:r>
-            <a:endParaRPr lang="en-US" dirty="0"/>
           </a:p>
         </p:txBody>
       </p:sp>
@@ -4440,7 +4724,7 @@
           <a:lstStyle/>
           <a:p>
             <a:r>
-              <a:rPr lang="en-US" dirty="0" smtClean="0">
+              <a:rPr lang="en-US" dirty="0">
                 <a:solidFill>
                   <a:srgbClr val="FF0000"/>
                 </a:solidFill>
@@ -4448,10 +4732,9 @@
               <a:t>Red dashed lines: </a:t>
             </a:r>
             <a:r>
-              <a:rPr lang="en-US" dirty="0" smtClean="0"/>
+              <a:rPr lang="en-US" dirty="0"/>
               <a:t>Interesting kink in z-direction. It could be real.</a:t>
             </a:r>
-            <a:endParaRPr lang="en-US" dirty="0"/>
           </a:p>
         </p:txBody>
       </p:sp>
@@ -4483,7 +4766,7 @@
           <a:lstStyle/>
           <a:p>
             <a:r>
-              <a:rPr lang="en-US" dirty="0" smtClean="0">
+              <a:rPr lang="en-US" dirty="0">
                 <a:solidFill>
                   <a:srgbClr val="FF0000"/>
                 </a:solidFill>
@@ -4491,10 +4774,9 @@
               <a:t>red arrows: </a:t>
             </a:r>
             <a:r>
-              <a:rPr lang="en-US" sz="1400" dirty="0" smtClean="0"/>
+              <a:rPr lang="en-US" sz="1400" dirty="0"/>
               <a:t>a branch. This curve should be a bundle of multiple actin filaments based on it’s brightness. So this branch could be real. Or it is just an artifact. We don’t know. Maybe it is a branch, given the fact that there is a dimmer (which means more thinner, more flexible..) kink.  (this is just wishful thinking, simulation validation can definitely suggest insights, but let’s wrap up and publish the first peer-reviewed PRIS paper.) </a:t>
             </a:r>
-            <a:endParaRPr lang="en-US" sz="1400" dirty="0"/>
           </a:p>
         </p:txBody>
       </p:sp>
@@ -5572,18 +5854,13 @@
           <a:lstStyle/>
           <a:p>
             <a:r>
-              <a:rPr lang="en-US" sz="2400" b="1" dirty="0" smtClean="0">
+              <a:rPr lang="en-US" sz="2400" b="1" dirty="0">
                 <a:solidFill>
                   <a:srgbClr val="FF0000"/>
                 </a:solidFill>
               </a:rPr>
               <a:t>1</a:t>
             </a:r>
-            <a:endParaRPr lang="en-US" sz="2400" b="1" dirty="0">
-              <a:solidFill>
-                <a:srgbClr val="FF0000"/>
-              </a:solidFill>
-            </a:endParaRPr>
           </a:p>
         </p:txBody>
       </p:sp>
@@ -5617,11 +5894,6 @@
               </a:rPr>
               <a:t>2</a:t>
             </a:r>
-            <a:endParaRPr lang="en-US" sz="2400" b="1" dirty="0">
-              <a:solidFill>
-                <a:srgbClr val="FF0000"/>
-              </a:solidFill>
-            </a:endParaRPr>
           </a:p>
         </p:txBody>
       </p:sp>
@@ -5690,18 +5962,13 @@
           <a:lstStyle/>
           <a:p>
             <a:r>
-              <a:rPr lang="en-US" sz="2400" b="1" dirty="0" smtClean="0">
+              <a:rPr lang="en-US" sz="2400" b="1" dirty="0">
                 <a:solidFill>
                   <a:srgbClr val="FF0000"/>
                 </a:solidFill>
               </a:rPr>
               <a:t>3</a:t>
             </a:r>
-            <a:endParaRPr lang="en-US" sz="2400" b="1" dirty="0">
-              <a:solidFill>
-                <a:srgbClr val="FF0000"/>
-              </a:solidFill>
-            </a:endParaRPr>
           </a:p>
         </p:txBody>
       </p:sp>
@@ -5728,7 +5995,7 @@
           <a:lstStyle/>
           <a:p>
             <a:r>
-              <a:rPr lang="en-US" sz="1400" b="1" dirty="0" smtClean="0">
+              <a:rPr lang="en-US" sz="1400" b="1" dirty="0">
                 <a:solidFill>
                   <a:srgbClr val="FF0000"/>
                 </a:solidFill>
@@ -5736,51 +6003,47 @@
               <a:t>Wrap up </a:t>
             </a:r>
             <a:r>
-              <a:rPr lang="en-US" sz="1400" dirty="0" smtClean="0"/>
+              <a:rPr lang="en-US" sz="1400" dirty="0"/>
               <a:t>(for the first PRIS journal paper)</a:t>
             </a:r>
             <a:r>
-              <a:rPr lang="en-US" sz="1400" b="1" dirty="0" smtClean="0"/>
+              <a:rPr lang="en-US" sz="1400" b="1" dirty="0"/>
               <a:t>:   </a:t>
             </a:r>
           </a:p>
           <a:p>
             <a:r>
               <a:rPr lang="en-US" sz="1400" dirty="0"/>
-              <a:t>R</a:t>
-            </a:r>
-            <a:r>
-              <a:rPr lang="en-US" sz="1400" dirty="0" smtClean="0"/>
-              <a:t>ecovery the following patch with a few (i.e. 6) partially overlapping windows (roughly indicated below) </a:t>
-            </a:r>
-            <a:r>
-              <a:rPr lang="en-US" sz="1400" dirty="0" smtClean="0">
+              <a:t>Recovery the following patch with a few (i.e. 6) partially overlapping windows (roughly indicated below) </a:t>
+            </a:r>
+            <a:r>
+              <a:rPr lang="en-US" sz="1400" dirty="0">
                 <a:sym typeface="Wingdings" panose="05000000000000000000" pitchFamily="2" charset="2"/>
               </a:rPr>
               <a:t> </a:t>
             </a:r>
             <a:r>
-              <a:rPr lang="en-US" sz="1400" dirty="0" smtClean="0"/>
+              <a:rPr lang="en-US" sz="1400" dirty="0"/>
               <a:t>stich the results together in 3D </a:t>
             </a:r>
             <a:r>
-              <a:rPr lang="en-US" sz="1400" dirty="0" smtClean="0">
+              <a:rPr lang="en-US" sz="1400" dirty="0">
                 <a:sym typeface="Wingdings" panose="05000000000000000000" pitchFamily="2" charset="2"/>
               </a:rPr>
               <a:t></a:t>
             </a:r>
             <a:r>
-              <a:rPr lang="en-US" sz="1400" dirty="0" smtClean="0"/>
+              <a:rPr lang="en-US" sz="1400" dirty="0"/>
               <a:t> produce 3D rendering as a SI movie </a:t>
             </a:r>
             <a:r>
-              <a:rPr lang="en-US" sz="1400" dirty="0" smtClean="0">
+              <a:rPr lang="en-US" sz="1400" dirty="0">
                 <a:sym typeface="Wingdings" panose="05000000000000000000" pitchFamily="2" charset="2"/>
               </a:rPr>
               <a:t> make better figures </a:t>
             </a:r>
             <a:r>
-              <a:rPr lang="en-US" sz="1400" dirty="0" smtClean="0"/>
+              <a:rPr lang="en-US" sz="1400" dirty="0"/>
               <a:t> DONE.</a:t>
             </a:r>
           </a:p>
@@ -6181,6 +6444,86 @@
     <p:extLst>
       <p:ext uri="{BB962C8B-B14F-4D97-AF65-F5344CB8AC3E}">
         <p14:creationId xmlns:p14="http://schemas.microsoft.com/office/powerpoint/2010/main" val="3710827576"/>
+      </p:ext>
+    </p:extLst>
+  </p:cSld>
+  <p:clrMapOvr>
+    <a:masterClrMapping/>
+  </p:clrMapOvr>
+</p:sld>
+</file>
+
+<file path=ppt/slides/slide2.xml><?xml version="1.0" encoding="utf-8"?>
+<p:sld xmlns:a="http://schemas.openxmlformats.org/drawingml/2006/main" xmlns:r="http://schemas.openxmlformats.org/officeDocument/2006/relationships" xmlns:p="http://schemas.openxmlformats.org/presentationml/2006/main">
+  <p:cSld>
+    <p:spTree>
+      <p:nvGrpSpPr>
+        <p:cNvPr id="1" name=""/>
+        <p:cNvGrpSpPr/>
+        <p:nvPr/>
+      </p:nvGrpSpPr>
+      <p:grpSpPr>
+        <a:xfrm>
+          <a:off x="0" y="0"/>
+          <a:ext cx="0" cy="0"/>
+          <a:chOff x="0" y="0"/>
+          <a:chExt cx="0" cy="0"/>
+        </a:xfrm>
+      </p:grpSpPr>
+      <p:sp>
+        <p:nvSpPr>
+          <p:cNvPr id="2" name="Title 1">
+            <a:extLst>
+              <a:ext uri="{FF2B5EF4-FFF2-40B4-BE49-F238E27FC236}">
+                <a16:creationId xmlns:a16="http://schemas.microsoft.com/office/drawing/2014/main" id="{48AD6DD5-BDCB-FC43-9758-6961E4E9597E}"/>
+              </a:ext>
+            </a:extLst>
+          </p:cNvPr>
+          <p:cNvSpPr>
+            <a:spLocks noGrp="1"/>
+          </p:cNvSpPr>
+          <p:nvPr>
+            <p:ph type="title"/>
+          </p:nvPr>
+        </p:nvSpPr>
+        <p:spPr/>
+        <p:txBody>
+          <a:bodyPr/>
+          <a:lstStyle/>
+          <a:p>
+            <a:endParaRPr lang="en-US" dirty="0"/>
+          </a:p>
+        </p:txBody>
+      </p:sp>
+      <p:sp>
+        <p:nvSpPr>
+          <p:cNvPr id="3" name="Content Placeholder 2">
+            <a:extLst>
+              <a:ext uri="{FF2B5EF4-FFF2-40B4-BE49-F238E27FC236}">
+                <a16:creationId xmlns:a16="http://schemas.microsoft.com/office/drawing/2014/main" id="{F33E0584-68D7-C246-90C8-F1CCC03FA81D}"/>
+              </a:ext>
+            </a:extLst>
+          </p:cNvPr>
+          <p:cNvSpPr>
+            <a:spLocks noGrp="1"/>
+          </p:cNvSpPr>
+          <p:nvPr>
+            <p:ph idx="1"/>
+          </p:nvPr>
+        </p:nvSpPr>
+        <p:spPr/>
+        <p:txBody>
+          <a:bodyPr/>
+          <a:lstStyle/>
+          <a:p>
+            <a:endParaRPr lang="en-US" dirty="0"/>
+          </a:p>
+        </p:txBody>
+      </p:sp>
+    </p:spTree>
+    <p:extLst>
+      <p:ext uri="{BB962C8B-B14F-4D97-AF65-F5344CB8AC3E}">
+        <p14:creationId xmlns:p14="http://schemas.microsoft.com/office/powerpoint/2010/main" val="1268013128"/>
       </p:ext>
     </p:extLst>
   </p:cSld>
@@ -6449,4 +6792,299 @@
     </a:ext>
   </a:extLst>
 </a:theme>
+</file>
+
+<file path=ppt/theme/theme2.xml><?xml version="1.0" encoding="utf-8"?>
+<a:theme xmlns:a="http://schemas.openxmlformats.org/drawingml/2006/main" name="Office Theme">
+  <a:themeElements>
+    <a:clrScheme name="Office">
+      <a:dk1>
+        <a:sysClr val="windowText" lastClr="000000"/>
+      </a:dk1>
+      <a:lt1>
+        <a:sysClr val="window" lastClr="FFFFFF"/>
+      </a:lt1>
+      <a:dk2>
+        <a:srgbClr val="44546A"/>
+      </a:dk2>
+      <a:lt2>
+        <a:srgbClr val="E7E6E6"/>
+      </a:lt2>
+      <a:accent1>
+        <a:srgbClr val="4472C4"/>
+      </a:accent1>
+      <a:accent2>
+        <a:srgbClr val="ED7D31"/>
+      </a:accent2>
+      <a:accent3>
+        <a:srgbClr val="A5A5A5"/>
+      </a:accent3>
+      <a:accent4>
+        <a:srgbClr val="FFC000"/>
+      </a:accent4>
+      <a:accent5>
+        <a:srgbClr val="5B9BD5"/>
+      </a:accent5>
+      <a:accent6>
+        <a:srgbClr val="70AD47"/>
+      </a:accent6>
+      <a:hlink>
+        <a:srgbClr val="0563C1"/>
+      </a:hlink>
+      <a:folHlink>
+        <a:srgbClr val="954F72"/>
+      </a:folHlink>
+    </a:clrScheme>
+    <a:fontScheme name="Office">
+      <a:majorFont>
+        <a:latin typeface="Calibri Light" panose="020F0302020204030204"/>
+        <a:ea typeface=""/>
+        <a:cs typeface=""/>
+        <a:font script="Jpan" typeface="游ゴシック Light"/>
+        <a:font script="Hang" typeface="맑은 고딕"/>
+        <a:font script="Hans" typeface="等线 Light"/>
+        <a:font script="Hant" typeface="新細明體"/>
+        <a:font script="Arab" typeface="Times New Roman"/>
+        <a:font script="Hebr" typeface="Times New Roman"/>
+        <a:font script="Thai" typeface="Angsana New"/>
+        <a:font script="Ethi" typeface="Nyala"/>
+        <a:font script="Beng" typeface="Vrinda"/>
+        <a:font script="Gujr" typeface="Shruti"/>
+        <a:font script="Khmr" typeface="MoolBoran"/>
+        <a:font script="Knda" typeface="Tunga"/>
+        <a:font script="Guru" typeface="Raavi"/>
+        <a:font script="Cans" typeface="Euphemia"/>
+        <a:font script="Cher" typeface="Plantagenet Cherokee"/>
+        <a:font script="Yiii" typeface="Microsoft Yi Baiti"/>
+        <a:font script="Tibt" typeface="Microsoft Himalaya"/>
+        <a:font script="Thaa" typeface="MV Boli"/>
+        <a:font script="Deva" typeface="Mangal"/>
+        <a:font script="Telu" typeface="Gautami"/>
+        <a:font script="Taml" typeface="Latha"/>
+        <a:font script="Syrc" typeface="Estrangelo Edessa"/>
+        <a:font script="Orya" typeface="Kalinga"/>
+        <a:font script="Mlym" typeface="Kartika"/>
+        <a:font script="Laoo" typeface="DokChampa"/>
+        <a:font script="Sinh" typeface="Iskoola Pota"/>
+        <a:font script="Mong" typeface="Mongolian Baiti"/>
+        <a:font script="Viet" typeface="Times New Roman"/>
+        <a:font script="Uigh" typeface="Microsoft Uighur"/>
+        <a:font script="Geor" typeface="Sylfaen"/>
+        <a:font script="Armn" typeface="Arial"/>
+        <a:font script="Bugi" typeface="Leelawadee UI"/>
+        <a:font script="Bopo" typeface="Microsoft JhengHei"/>
+        <a:font script="Java" typeface="Javanese Text"/>
+        <a:font script="Lisu" typeface="Segoe UI"/>
+        <a:font script="Mymr" typeface="Myanmar Text"/>
+        <a:font script="Nkoo" typeface="Ebrima"/>
+        <a:font script="Olck" typeface="Nirmala UI"/>
+        <a:font script="Osma" typeface="Ebrima"/>
+        <a:font script="Phag" typeface="Phagspa"/>
+        <a:font script="Syrn" typeface="Estrangelo Edessa"/>
+        <a:font script="Syrj" typeface="Estrangelo Edessa"/>
+        <a:font script="Syre" typeface="Estrangelo Edessa"/>
+        <a:font script="Sora" typeface="Nirmala UI"/>
+        <a:font script="Tale" typeface="Microsoft Tai Le"/>
+        <a:font script="Talu" typeface="Microsoft New Tai Lue"/>
+        <a:font script="Tfng" typeface="Ebrima"/>
+      </a:majorFont>
+      <a:minorFont>
+        <a:latin typeface="Calibri" panose="020F0502020204030204"/>
+        <a:ea typeface=""/>
+        <a:cs typeface=""/>
+        <a:font script="Jpan" typeface="游ゴシック"/>
+        <a:font script="Hang" typeface="맑은 고딕"/>
+        <a:font script="Hans" typeface="等线"/>
+        <a:font script="Hant" typeface="新細明體"/>
+        <a:font script="Arab" typeface="Arial"/>
+        <a:font script="Hebr" typeface="Arial"/>
+        <a:font script="Thai" typeface="Cordia New"/>
+        <a:font script="Ethi" typeface="Nyala"/>
+        <a:font script="Beng" typeface="Vrinda"/>
+        <a:font script="Gujr" typeface="Shruti"/>
+        <a:font script="Khmr" typeface="DaunPenh"/>
+        <a:font script="Knda" typeface="Tunga"/>
+        <a:font script="Guru" typeface="Raavi"/>
+        <a:font script="Cans" typeface="Euphemia"/>
+        <a:font script="Cher" typeface="Plantagenet Cherokee"/>
+        <a:font script="Yiii" typeface="Microsoft Yi Baiti"/>
+        <a:font script="Tibt" typeface="Microsoft Himalaya"/>
+        <a:font script="Thaa" typeface="MV Boli"/>
+        <a:font script="Deva" typeface="Mangal"/>
+        <a:font script="Telu" typeface="Gautami"/>
+        <a:font script="Taml" typeface="Latha"/>
+        <a:font script="Syrc" typeface="Estrangelo Edessa"/>
+        <a:font script="Orya" typeface="Kalinga"/>
+        <a:font script="Mlym" typeface="Kartika"/>
+        <a:font script="Laoo" typeface="DokChampa"/>
+        <a:font script="Sinh" typeface="Iskoola Pota"/>
+        <a:font script="Mong" typeface="Mongolian Baiti"/>
+        <a:font script="Viet" typeface="Arial"/>
+        <a:font script="Uigh" typeface="Microsoft Uighur"/>
+        <a:font script="Geor" typeface="Sylfaen"/>
+        <a:font script="Armn" typeface="Arial"/>
+        <a:font script="Bugi" typeface="Leelawadee UI"/>
+        <a:font script="Bopo" typeface="Microsoft JhengHei"/>
+        <a:font script="Java" typeface="Javanese Text"/>
+        <a:font script="Lisu" typeface="Segoe UI"/>
+        <a:font script="Mymr" typeface="Myanmar Text"/>
+        <a:font script="Nkoo" typeface="Ebrima"/>
+        <a:font script="Olck" typeface="Nirmala UI"/>
+        <a:font script="Osma" typeface="Ebrima"/>
+        <a:font script="Phag" typeface="Phagspa"/>
+        <a:font script="Syrn" typeface="Estrangelo Edessa"/>
+        <a:font script="Syrj" typeface="Estrangelo Edessa"/>
+        <a:font script="Syre" typeface="Estrangelo Edessa"/>
+        <a:font script="Sora" typeface="Nirmala UI"/>
+        <a:font script="Tale" typeface="Microsoft Tai Le"/>
+        <a:font script="Talu" typeface="Microsoft New Tai Lue"/>
+        <a:font script="Tfng" typeface="Ebrima"/>
+      </a:minorFont>
+    </a:fontScheme>
+    <a:fmtScheme name="Office">
+      <a:fillStyleLst>
+        <a:solidFill>
+          <a:schemeClr val="phClr"/>
+        </a:solidFill>
+        <a:gradFill rotWithShape="1">
+          <a:gsLst>
+            <a:gs pos="0">
+              <a:schemeClr val="phClr">
+                <a:lumMod val="110000"/>
+                <a:satMod val="105000"/>
+                <a:tint val="67000"/>
+              </a:schemeClr>
+            </a:gs>
+            <a:gs pos="50000">
+              <a:schemeClr val="phClr">
+                <a:lumMod val="105000"/>
+                <a:satMod val="103000"/>
+                <a:tint val="73000"/>
+              </a:schemeClr>
+            </a:gs>
+            <a:gs pos="100000">
+              <a:schemeClr val="phClr">
+                <a:lumMod val="105000"/>
+                <a:satMod val="109000"/>
+                <a:tint val="81000"/>
+              </a:schemeClr>
+            </a:gs>
+          </a:gsLst>
+          <a:lin ang="5400000" scaled="0"/>
+        </a:gradFill>
+        <a:gradFill rotWithShape="1">
+          <a:gsLst>
+            <a:gs pos="0">
+              <a:schemeClr val="phClr">
+                <a:satMod val="103000"/>
+                <a:lumMod val="102000"/>
+                <a:tint val="94000"/>
+              </a:schemeClr>
+            </a:gs>
+            <a:gs pos="50000">
+              <a:schemeClr val="phClr">
+                <a:satMod val="110000"/>
+                <a:lumMod val="100000"/>
+                <a:shade val="100000"/>
+              </a:schemeClr>
+            </a:gs>
+            <a:gs pos="100000">
+              <a:schemeClr val="phClr">
+                <a:lumMod val="99000"/>
+                <a:satMod val="120000"/>
+                <a:shade val="78000"/>
+              </a:schemeClr>
+            </a:gs>
+          </a:gsLst>
+          <a:lin ang="5400000" scaled="0"/>
+        </a:gradFill>
+      </a:fillStyleLst>
+      <a:lnStyleLst>
+        <a:ln w="6350" cap="flat" cmpd="sng" algn="ctr">
+          <a:solidFill>
+            <a:schemeClr val="phClr"/>
+          </a:solidFill>
+          <a:prstDash val="solid"/>
+          <a:miter lim="800000"/>
+        </a:ln>
+        <a:ln w="12700" cap="flat" cmpd="sng" algn="ctr">
+          <a:solidFill>
+            <a:schemeClr val="phClr"/>
+          </a:solidFill>
+          <a:prstDash val="solid"/>
+          <a:miter lim="800000"/>
+        </a:ln>
+        <a:ln w="19050" cap="flat" cmpd="sng" algn="ctr">
+          <a:solidFill>
+            <a:schemeClr val="phClr"/>
+          </a:solidFill>
+          <a:prstDash val="solid"/>
+          <a:miter lim="800000"/>
+        </a:ln>
+      </a:lnStyleLst>
+      <a:effectStyleLst>
+        <a:effectStyle>
+          <a:effectLst/>
+        </a:effectStyle>
+        <a:effectStyle>
+          <a:effectLst/>
+        </a:effectStyle>
+        <a:effectStyle>
+          <a:effectLst>
+            <a:outerShdw blurRad="57150" dist="19050" dir="5400000" algn="ctr" rotWithShape="0">
+              <a:srgbClr val="000000">
+                <a:alpha val="63000"/>
+              </a:srgbClr>
+            </a:outerShdw>
+          </a:effectLst>
+        </a:effectStyle>
+      </a:effectStyleLst>
+      <a:bgFillStyleLst>
+        <a:solidFill>
+          <a:schemeClr val="phClr"/>
+        </a:solidFill>
+        <a:solidFill>
+          <a:schemeClr val="phClr">
+            <a:tint val="95000"/>
+            <a:satMod val="170000"/>
+          </a:schemeClr>
+        </a:solidFill>
+        <a:gradFill rotWithShape="1">
+          <a:gsLst>
+            <a:gs pos="0">
+              <a:schemeClr val="phClr">
+                <a:tint val="93000"/>
+                <a:satMod val="150000"/>
+                <a:shade val="98000"/>
+                <a:lumMod val="102000"/>
+              </a:schemeClr>
+            </a:gs>
+            <a:gs pos="50000">
+              <a:schemeClr val="phClr">
+                <a:tint val="98000"/>
+                <a:satMod val="130000"/>
+                <a:shade val="90000"/>
+                <a:lumMod val="103000"/>
+              </a:schemeClr>
+            </a:gs>
+            <a:gs pos="100000">
+              <a:schemeClr val="phClr">
+                <a:shade val="63000"/>
+                <a:satMod val="120000"/>
+              </a:schemeClr>
+            </a:gs>
+          </a:gsLst>
+          <a:lin ang="5400000" scaled="0"/>
+        </a:gradFill>
+      </a:bgFillStyleLst>
+    </a:fmtScheme>
+  </a:themeElements>
+  <a:objectDefaults/>
+  <a:extraClrSchemeLst/>
+  <a:extLst>
+    <a:ext uri="{05A4C25C-085E-4340-85A3-A5531E510DB2}">
+      <thm15:themeFamily xmlns:thm15="http://schemas.microsoft.com/office/thememl/2012/main" name="Office Theme" id="{62F939B6-93AF-4DB8-9C6B-D6C7DFDC589F}" vid="{4A3C46E8-61CC-4603-A589-7422A47A8E4A}"/>
+    </a:ext>
+  </a:extLst>
+</a:theme>
 </file>